--- a/ApresentaçãoProjeto.pptx
+++ b/ApresentaçãoProjeto.pptx
@@ -3917,7 +3917,7 @@
             </a:pPr>
             <a:r>
               <a:rPr lang="pt-BR"/>
-              <a:t>Estufas hidropônicas!</a:t>
+              <a:t>Estufas hidropônicas em regiões com pouca incidência solar!</a:t>
             </a:r>
             <a:endParaRPr lang="pt-BR"/>
           </a:p>
@@ -4767,16 +4767,6 @@
             <a:r>
               <a:rPr/>
               <a:t>Controle de umidade.</a:t>
-            </a:r>
-            <a:endParaRPr/>
-          </a:p>
-          <a:p>
-            <a:pPr>
-              <a:defRPr/>
-            </a:pPr>
-            <a:r>
-              <a:rPr/>
-              <a:t>Controle de luminosidade, decidindo quanto tempo a luz do sol as plantas irão ter.</a:t>
             </a:r>
             <a:endParaRPr/>
           </a:p>
